--- a/Français/6.Visuals/16.Decomposition Tree.pptx
+++ b/Français/6.Visuals/16.Decomposition Tree.pptx
@@ -203,7 +203,7 @@
           <a:p>
             <a:fld id="{056BA3B8-9F76-4D81-B71D-76CB85363062}" type="datetimeFigureOut">
               <a:rPr lang="en-US" smtClean="0"/>
-              <a:t>1/5/2025</a:t>
+              <a:t>3/8/2025</a:t>
             </a:fld>
             <a:endParaRPr lang="en-US"/>
           </a:p>
@@ -686,7 +686,7 @@
           <a:p>
             <a:fld id="{6F01DA4D-20EA-48D2-973C-0311EC3005D6}" type="datetimeFigureOut">
               <a:rPr lang="en-US" smtClean="0"/>
-              <a:t>1/5/2025</a:t>
+              <a:t>3/8/2025</a:t>
             </a:fld>
             <a:endParaRPr lang="en-US"/>
           </a:p>
@@ -856,7 +856,7 @@
           <a:p>
             <a:fld id="{6F01DA4D-20EA-48D2-973C-0311EC3005D6}" type="datetimeFigureOut">
               <a:rPr lang="en-US" smtClean="0"/>
-              <a:t>1/5/2025</a:t>
+              <a:t>3/8/2025</a:t>
             </a:fld>
             <a:endParaRPr lang="en-US"/>
           </a:p>
@@ -1036,7 +1036,7 @@
           <a:p>
             <a:fld id="{6F01DA4D-20EA-48D2-973C-0311EC3005D6}" type="datetimeFigureOut">
               <a:rPr lang="en-US" smtClean="0"/>
-              <a:t>1/5/2025</a:t>
+              <a:t>3/8/2025</a:t>
             </a:fld>
             <a:endParaRPr lang="en-US"/>
           </a:p>
@@ -1206,7 +1206,7 @@
           <a:p>
             <a:fld id="{6F01DA4D-20EA-48D2-973C-0311EC3005D6}" type="datetimeFigureOut">
               <a:rPr lang="en-US" smtClean="0"/>
-              <a:t>1/5/2025</a:t>
+              <a:t>3/8/2025</a:t>
             </a:fld>
             <a:endParaRPr lang="en-US"/>
           </a:p>
@@ -1452,7 +1452,7 @@
           <a:p>
             <a:fld id="{6F01DA4D-20EA-48D2-973C-0311EC3005D6}" type="datetimeFigureOut">
               <a:rPr lang="en-US" smtClean="0"/>
-              <a:t>1/5/2025</a:t>
+              <a:t>3/8/2025</a:t>
             </a:fld>
             <a:endParaRPr lang="en-US"/>
           </a:p>
@@ -1684,7 +1684,7 @@
           <a:p>
             <a:fld id="{6F01DA4D-20EA-48D2-973C-0311EC3005D6}" type="datetimeFigureOut">
               <a:rPr lang="en-US" smtClean="0"/>
-              <a:t>1/5/2025</a:t>
+              <a:t>3/8/2025</a:t>
             </a:fld>
             <a:endParaRPr lang="en-US"/>
           </a:p>
@@ -2051,7 +2051,7 @@
           <a:p>
             <a:fld id="{6F01DA4D-20EA-48D2-973C-0311EC3005D6}" type="datetimeFigureOut">
               <a:rPr lang="en-US" smtClean="0"/>
-              <a:t>1/5/2025</a:t>
+              <a:t>3/8/2025</a:t>
             </a:fld>
             <a:endParaRPr lang="en-US"/>
           </a:p>
@@ -2169,7 +2169,7 @@
           <a:p>
             <a:fld id="{6F01DA4D-20EA-48D2-973C-0311EC3005D6}" type="datetimeFigureOut">
               <a:rPr lang="en-US" smtClean="0"/>
-              <a:t>1/5/2025</a:t>
+              <a:t>3/8/2025</a:t>
             </a:fld>
             <a:endParaRPr lang="en-US"/>
           </a:p>
@@ -2264,7 +2264,7 @@
           <a:p>
             <a:fld id="{6F01DA4D-20EA-48D2-973C-0311EC3005D6}" type="datetimeFigureOut">
               <a:rPr lang="en-US" smtClean="0"/>
-              <a:t>1/5/2025</a:t>
+              <a:t>3/8/2025</a:t>
             </a:fld>
             <a:endParaRPr lang="en-US"/>
           </a:p>
@@ -2541,7 +2541,7 @@
           <a:p>
             <a:fld id="{6F01DA4D-20EA-48D2-973C-0311EC3005D6}" type="datetimeFigureOut">
               <a:rPr lang="en-US" smtClean="0"/>
-              <a:t>1/5/2025</a:t>
+              <a:t>3/8/2025</a:t>
             </a:fld>
             <a:endParaRPr lang="en-US"/>
           </a:p>
@@ -2794,7 +2794,7 @@
           <a:p>
             <a:fld id="{6F01DA4D-20EA-48D2-973C-0311EC3005D6}" type="datetimeFigureOut">
               <a:rPr lang="en-US" smtClean="0"/>
-              <a:t>1/5/2025</a:t>
+              <a:t>3/8/2025</a:t>
             </a:fld>
             <a:endParaRPr lang="en-US"/>
           </a:p>
@@ -3007,7 +3007,7 @@
           <a:p>
             <a:fld id="{6F01DA4D-20EA-48D2-973C-0311EC3005D6}" type="datetimeFigureOut">
               <a:rPr lang="en-US" smtClean="0"/>
-              <a:t>1/5/2025</a:t>
+              <a:t>3/8/2025</a:t>
             </a:fld>
             <a:endParaRPr lang="en-US"/>
           </a:p>
@@ -3428,7 +3428,7 @@
         </p:nvSpPr>
         <p:spPr>
           <a:xfrm>
-            <a:off x="1411715" y="1849031"/>
+            <a:off x="1686723" y="1979660"/>
             <a:ext cx="9134824" cy="2554545"/>
           </a:xfrm>
           <a:prstGeom prst="rect">
@@ -3442,19 +3442,8 @@
           </a:bodyPr>
           <a:lstStyle/>
           <a:p>
-            <a:pPr xmlns:a="http://schemas.openxmlformats.org/drawingml/2006/main" algn="ctr"/>
-            <a:r xmlns:a="http://schemas.openxmlformats.org/drawingml/2006/main">
-              <a:rPr lang="fr" sz="8000" b="1" dirty="0" err="1" smtClean="0">
-                <a:solidFill>
-                  <a:srgbClr val="7030A0"/>
-                </a:solidFill>
-                <a:latin typeface="Segoe UI" panose="020B0502040204020203" pitchFamily="34" charset="0"/>
-                <a:ea typeface="Verdana" panose="020B0604030504040204" pitchFamily="34" charset="0"/>
-                <a:cs typeface="Segoe UI" panose="020B0502040204020203" pitchFamily="34" charset="0"/>
-              </a:rPr>
-              <a:t>Décomposition</a:t>
-            </a:r>
-            <a:r xmlns:a="http://schemas.openxmlformats.org/drawingml/2006/main">
+            <a:pPr algn="ctr"/>
+            <a:r>
               <a:rPr lang="fr" sz="8000" b="1" dirty="0" smtClean="0">
                 <a:solidFill>
                   <a:srgbClr val="7030A0"/>
@@ -3463,20 +3452,9 @@
                 <a:ea typeface="Verdana" panose="020B0604030504040204" pitchFamily="34" charset="0"/>
                 <a:cs typeface="Segoe UI" panose="020B0502040204020203" pitchFamily="34" charset="0"/>
               </a:rPr>
-              <a:t> </a:t>
-            </a:r>
-            <a:r xmlns:a="http://schemas.openxmlformats.org/drawingml/2006/main">
-              <a:rPr lang="fr" sz="8000" b="1" dirty="0" err="1" smtClean="0">
-                <a:solidFill>
-                  <a:srgbClr val="7030A0"/>
-                </a:solidFill>
-                <a:latin typeface="Segoe UI" panose="020B0502040204020203" pitchFamily="34" charset="0"/>
-                <a:ea typeface="Verdana" panose="020B0604030504040204" pitchFamily="34" charset="0"/>
-                <a:cs typeface="Segoe UI" panose="020B0502040204020203" pitchFamily="34" charset="0"/>
-              </a:rPr>
               <a:t>Arbre</a:t>
             </a:r>
-            <a:endParaRPr xmlns:a="http://schemas.openxmlformats.org/drawingml/2006/main" lang="en-US" sz="8000" b="1" dirty="0">
+            <a:endParaRPr lang="en-US" sz="8000" b="1" dirty="0" smtClean="0">
               <a:solidFill>
                 <a:srgbClr val="7030A0"/>
               </a:solidFill>
@@ -3485,6 +3463,39 @@
               <a:cs typeface="Segoe UI" panose="020B0502040204020203" pitchFamily="34" charset="0"/>
             </a:endParaRPr>
           </a:p>
+          <a:p>
+            <a:pPr algn="ctr"/>
+            <a:r>
+              <a:rPr lang="en-US" sz="8000" b="1" dirty="0" smtClean="0">
+                <a:solidFill>
+                  <a:srgbClr val="7030A0"/>
+                </a:solidFill>
+                <a:latin typeface="Segoe UI" panose="020B0502040204020203" pitchFamily="34" charset="0"/>
+                <a:ea typeface="Verdana" panose="020B0604030504040204" pitchFamily="34" charset="0"/>
+                <a:cs typeface="Segoe UI" panose="020B0502040204020203" pitchFamily="34" charset="0"/>
+              </a:rPr>
+              <a:t>d</a:t>
+            </a:r>
+            <a:r>
+              <a:rPr lang="fr" sz="8000" b="1" dirty="0" smtClean="0">
+                <a:solidFill>
+                  <a:srgbClr val="7030A0"/>
+                </a:solidFill>
+                <a:latin typeface="Segoe UI" panose="020B0502040204020203" pitchFamily="34" charset="0"/>
+                <a:ea typeface="Verdana" panose="020B0604030504040204" pitchFamily="34" charset="0"/>
+                <a:cs typeface="Segoe UI" panose="020B0502040204020203" pitchFamily="34" charset="0"/>
+              </a:rPr>
+              <a:t>e décomposition</a:t>
+            </a:r>
+            <a:endParaRPr lang="en-US" sz="8000" b="1" dirty="0">
+              <a:solidFill>
+                <a:srgbClr val="7030A0"/>
+              </a:solidFill>
+              <a:latin typeface="Segoe UI" panose="020B0502040204020203" pitchFamily="34" charset="0"/>
+              <a:ea typeface="Verdana" panose="020B0604030504040204" pitchFamily="34" charset="0"/>
+              <a:cs typeface="Segoe UI" panose="020B0502040204020203" pitchFamily="34" charset="0"/>
+            </a:endParaRPr>
+          </a:p>
         </p:txBody>
       </p:sp>
       <p:sp>
@@ -3495,7 +3506,7 @@
         </p:nvSpPr>
         <p:spPr>
           <a:xfrm>
-            <a:off x="1460988" y="1898303"/>
+            <a:off x="1632868" y="1918930"/>
             <a:ext cx="9134824" cy="2554545"/>
           </a:xfrm>
           <a:prstGeom prst="rect">
@@ -3509,19 +3520,8 @@
           </a:bodyPr>
           <a:lstStyle/>
           <a:p>
-            <a:pPr xmlns:a="http://schemas.openxmlformats.org/drawingml/2006/main" algn="ctr"/>
-            <a:r xmlns:a="http://schemas.openxmlformats.org/drawingml/2006/main">
-              <a:rPr lang="fr" sz="8000" b="1" dirty="0" err="1" smtClean="0">
-                <a:solidFill>
-                  <a:schemeClr val="bg1"/>
-                </a:solidFill>
-                <a:latin typeface="Segoe UI" panose="020B0502040204020203" pitchFamily="34" charset="0"/>
-                <a:ea typeface="Verdana" panose="020B0604030504040204" pitchFamily="34" charset="0"/>
-                <a:cs typeface="Segoe UI" panose="020B0502040204020203" pitchFamily="34" charset="0"/>
-              </a:rPr>
-              <a:t>Décomposition</a:t>
-            </a:r>
-            <a:r xmlns:a="http://schemas.openxmlformats.org/drawingml/2006/main">
+            <a:pPr algn="ctr"/>
+            <a:r>
               <a:rPr lang="fr" sz="8000" b="1" dirty="0" smtClean="0">
                 <a:solidFill>
                   <a:schemeClr val="bg1"/>
@@ -3530,10 +3530,21 @@
                 <a:ea typeface="Verdana" panose="020B0604030504040204" pitchFamily="34" charset="0"/>
                 <a:cs typeface="Segoe UI" panose="020B0502040204020203" pitchFamily="34" charset="0"/>
               </a:rPr>
-              <a:t> </a:t>
-            </a:r>
-            <a:r xmlns:a="http://schemas.openxmlformats.org/drawingml/2006/main">
-              <a:rPr lang="fr" sz="8000" b="1" dirty="0" err="1" smtClean="0">
+              <a:t>Arbre</a:t>
+            </a:r>
+            <a:endParaRPr lang="en-US" sz="8000" b="1" dirty="0" smtClean="0">
+              <a:solidFill>
+                <a:schemeClr val="bg1"/>
+              </a:solidFill>
+              <a:latin typeface="Segoe UI" panose="020B0502040204020203" pitchFamily="34" charset="0"/>
+              <a:ea typeface="Verdana" panose="020B0604030504040204" pitchFamily="34" charset="0"/>
+              <a:cs typeface="Segoe UI" panose="020B0502040204020203" pitchFamily="34" charset="0"/>
+            </a:endParaRPr>
+          </a:p>
+          <a:p>
+            <a:pPr algn="ctr"/>
+            <a:r>
+              <a:rPr lang="en-US" sz="8000" b="1" dirty="0" smtClean="0">
                 <a:solidFill>
                   <a:schemeClr val="bg1"/>
                 </a:solidFill>
@@ -3541,9 +3552,31 @@
                 <a:ea typeface="Verdana" panose="020B0604030504040204" pitchFamily="34" charset="0"/>
                 <a:cs typeface="Segoe UI" panose="020B0502040204020203" pitchFamily="34" charset="0"/>
               </a:rPr>
-              <a:t>Arbre</a:t>
-            </a:r>
-            <a:endParaRPr xmlns:a="http://schemas.openxmlformats.org/drawingml/2006/main" lang="en-US" sz="8000" b="1" dirty="0">
+              <a:t>d</a:t>
+            </a:r>
+            <a:r>
+              <a:rPr lang="fr" sz="8000" b="1" dirty="0" smtClean="0">
+                <a:solidFill>
+                  <a:schemeClr val="bg1"/>
+                </a:solidFill>
+                <a:latin typeface="Segoe UI" panose="020B0502040204020203" pitchFamily="34" charset="0"/>
+                <a:ea typeface="Verdana" panose="020B0604030504040204" pitchFamily="34" charset="0"/>
+                <a:cs typeface="Segoe UI" panose="020B0502040204020203" pitchFamily="34" charset="0"/>
+              </a:rPr>
+              <a:t>e d</a:t>
+            </a:r>
+            <a:r>
+              <a:rPr lang="fr" sz="8000" b="1" dirty="0" smtClean="0">
+                <a:solidFill>
+                  <a:schemeClr val="bg1"/>
+                </a:solidFill>
+                <a:latin typeface="Segoe UI" panose="020B0502040204020203" pitchFamily="34" charset="0"/>
+                <a:ea typeface="Verdana" panose="020B0604030504040204" pitchFamily="34" charset="0"/>
+                <a:cs typeface="Segoe UI" panose="020B0502040204020203" pitchFamily="34" charset="0"/>
+              </a:rPr>
+              <a:t>écomposition</a:t>
+            </a:r>
+            <a:endParaRPr lang="en-US" sz="8000" b="1" dirty="0">
               <a:solidFill>
                 <a:schemeClr val="bg1"/>
               </a:solidFill>
@@ -3593,7 +3626,7 @@
         <p:spPr>
           <a:xfrm>
             <a:off x="323133" y="192505"/>
-            <a:ext cx="2865656" cy="461665"/>
+            <a:ext cx="3686009" cy="461665"/>
           </a:xfrm>
           <a:prstGeom prst="rect">
             <a:avLst/>
@@ -3606,14 +3639,14 @@
           </a:bodyPr>
           <a:lstStyle/>
           <a:p>
-            <a:r xmlns:a="http://schemas.openxmlformats.org/drawingml/2006/main">
-              <a:rPr lang="fr" sz="2400" dirty="0" smtClean="0">
+            <a:r>
+              <a:rPr lang="fr" sz="2400" b="1" dirty="0" smtClean="0">
                 <a:latin typeface="Segoe UI" panose="020B0502040204020203" pitchFamily="34" charset="0"/>
                 <a:cs typeface="Segoe UI" panose="020B0502040204020203" pitchFamily="34" charset="0"/>
               </a:rPr>
               <a:t>Arbre de décomposition</a:t>
             </a:r>
-            <a:endParaRPr xmlns:a="http://schemas.openxmlformats.org/drawingml/2006/main" lang="en-US" sz="2400" dirty="0">
+            <a:endParaRPr lang="en-US" sz="2400" b="1" dirty="0">
               <a:latin typeface="Segoe UI" panose="020B0502040204020203" pitchFamily="34" charset="0"/>
               <a:cs typeface="Segoe UI" panose="020B0502040204020203" pitchFamily="34" charset="0"/>
             </a:endParaRPr>
@@ -3629,7 +3662,7 @@
         <p:spPr>
           <a:xfrm>
             <a:off x="378135" y="756271"/>
-            <a:ext cx="6927602" cy="369332"/>
+            <a:ext cx="8636531" cy="369332"/>
           </a:xfrm>
           <a:prstGeom prst="rect">
             <a:avLst/>
@@ -3642,35 +3675,49 @@
           </a:bodyPr>
           <a:lstStyle/>
           <a:p>
-            <a:r xmlns:a="http://schemas.openxmlformats.org/drawingml/2006/main">
+            <a:r>
               <a:rPr lang="fr" b="1" dirty="0" smtClean="0">
                 <a:latin typeface="Segoe UI" panose="020B0502040204020203" pitchFamily="34" charset="0"/>
                 <a:cs typeface="Segoe UI" panose="020B0502040204020203" pitchFamily="34" charset="0"/>
               </a:rPr>
               <a:t>Remarque : </a:t>
             </a:r>
-            <a:r xmlns:a="http://schemas.openxmlformats.org/drawingml/2006/main">
+            <a:r>
               <a:rPr lang="fr" dirty="0" smtClean="0">
                 <a:latin typeface="Segoe UI" panose="020B0502040204020203" pitchFamily="34" charset="0"/>
                 <a:cs typeface="Segoe UI" panose="020B0502040204020203" pitchFamily="34" charset="0"/>
               </a:rPr>
-              <a:t>ce laboratoire est basé sur le fichier Excel </a:t>
-            </a:r>
-            <a:r xmlns:a="http://schemas.openxmlformats.org/drawingml/2006/main">
+              <a:t>cet atelier </a:t>
+            </a:r>
+            <a:r>
+              <a:rPr lang="fr" dirty="0" smtClean="0">
+                <a:latin typeface="Segoe UI" panose="020B0502040204020203" pitchFamily="34" charset="0"/>
+                <a:cs typeface="Segoe UI" panose="020B0502040204020203" pitchFamily="34" charset="0"/>
+              </a:rPr>
+              <a:t>est basé sur le fichier Excel </a:t>
+            </a:r>
+            <a:r>
               <a:rPr lang="fr" b="1" dirty="0" smtClean="0">
                 <a:latin typeface="Segoe UI" panose="020B0502040204020203" pitchFamily="34" charset="0"/>
                 <a:cs typeface="Segoe UI" panose="020B0502040204020203" pitchFamily="34" charset="0"/>
               </a:rPr>
               <a:t>Sales.xlsx </a:t>
             </a:r>
-            <a:r xmlns:a="http://schemas.openxmlformats.org/drawingml/2006/main">
+            <a:r>
               <a:rPr lang="fr" dirty="0" smtClean="0">
                 <a:latin typeface="Segoe UI" panose="020B0502040204020203" pitchFamily="34" charset="0"/>
                 <a:cs typeface="Segoe UI" panose="020B0502040204020203" pitchFamily="34" charset="0"/>
               </a:rPr>
-              <a:t>dans les sources Excel</a:t>
-            </a:r>
-            <a:endParaRPr xmlns:a="http://schemas.openxmlformats.org/drawingml/2006/main" lang="en-US" dirty="0">
+              <a:t>dans les sources </a:t>
+            </a:r>
+            <a:r>
+              <a:rPr lang="fr" b="1" dirty="0" smtClean="0">
+                <a:latin typeface="Segoe UI" panose="020B0502040204020203" pitchFamily="34" charset="0"/>
+                <a:cs typeface="Segoe UI" panose="020B0502040204020203" pitchFamily="34" charset="0"/>
+              </a:rPr>
+              <a:t>Excel</a:t>
+            </a:r>
+            <a:endParaRPr lang="en-US" b="1" dirty="0">
               <a:latin typeface="Segoe UI" panose="020B0502040204020203" pitchFamily="34" charset="0"/>
               <a:cs typeface="Segoe UI" panose="020B0502040204020203" pitchFamily="34" charset="0"/>
             </a:endParaRPr>
@@ -3699,14 +3746,14 @@
           </a:bodyPr>
           <a:lstStyle/>
           <a:p>
-            <a:r xmlns:a="http://schemas.openxmlformats.org/drawingml/2006/main">
+            <a:r>
               <a:rPr lang="fr" dirty="0" smtClean="0">
                 <a:latin typeface="Segoe UI" panose="020B0502040204020203" pitchFamily="34" charset="0"/>
                 <a:cs typeface="Segoe UI" panose="020B0502040204020203" pitchFamily="34" charset="0"/>
               </a:rPr>
               <a:t>Ajouter un arbre de décomposition à la scène</a:t>
             </a:r>
-            <a:endParaRPr xmlns:a="http://schemas.openxmlformats.org/drawingml/2006/main" lang="en-US" dirty="0">
+            <a:endParaRPr lang="en-US" dirty="0">
               <a:latin typeface="Segoe UI" panose="020B0502040204020203" pitchFamily="34" charset="0"/>
               <a:cs typeface="Segoe UI" panose="020B0502040204020203" pitchFamily="34" charset="0"/>
             </a:endParaRPr>
@@ -3721,16 +3768,15 @@
           </p:cNvPicPr>
           <p:nvPr/>
         </p:nvPicPr>
-        <p:blipFill>
+        <p:blipFill rotWithShape="1">
           <a:blip r:embed="rId2"/>
-          <a:stretch>
-            <a:fillRect/>
-          </a:stretch>
+          <a:srcRect t="1532"/>
+          <a:stretch/>
         </p:blipFill>
         <p:spPr>
           <a:xfrm>
-            <a:off x="462775" y="1821925"/>
-            <a:ext cx="5151065" cy="3141962"/>
+            <a:off x="462775" y="1870051"/>
+            <a:ext cx="5151065" cy="3093836"/>
           </a:xfrm>
           <a:prstGeom prst="rect">
             <a:avLst/>
@@ -3786,7 +3832,7 @@
         <p:spPr>
           <a:xfrm>
             <a:off x="323133" y="192505"/>
-            <a:ext cx="2865656" cy="461665"/>
+            <a:ext cx="3686009" cy="461665"/>
           </a:xfrm>
           <a:prstGeom prst="rect">
             <a:avLst/>
@@ -3799,14 +3845,14 @@
           </a:bodyPr>
           <a:lstStyle/>
           <a:p>
-            <a:r xmlns:a="http://schemas.openxmlformats.org/drawingml/2006/main">
-              <a:rPr lang="fr" sz="2400" dirty="0" smtClean="0">
+            <a:r>
+              <a:rPr lang="fr" sz="2400" b="1" dirty="0" smtClean="0">
                 <a:latin typeface="Segoe UI" panose="020B0502040204020203" pitchFamily="34" charset="0"/>
                 <a:cs typeface="Segoe UI" panose="020B0502040204020203" pitchFamily="34" charset="0"/>
               </a:rPr>
               <a:t>Arbre de décomposition</a:t>
             </a:r>
-            <a:endParaRPr xmlns:a="http://schemas.openxmlformats.org/drawingml/2006/main" lang="en-US" sz="2400" dirty="0">
+            <a:endParaRPr lang="en-US" sz="2400" b="1" dirty="0">
               <a:latin typeface="Segoe UI" panose="020B0502040204020203" pitchFamily="34" charset="0"/>
               <a:cs typeface="Segoe UI" panose="020B0502040204020203" pitchFamily="34" charset="0"/>
             </a:endParaRPr>
@@ -3856,7 +3902,7 @@
         <p:spPr>
           <a:xfrm>
             <a:off x="363086" y="835819"/>
-            <a:ext cx="11945129" cy="646331"/>
+            <a:ext cx="8980920" cy="646331"/>
           </a:xfrm>
           <a:prstGeom prst="rect">
             <a:avLst/>
@@ -3869,121 +3915,118 @@
           </a:bodyPr>
           <a:lstStyle/>
           <a:p>
-            <a:r xmlns:a="http://schemas.openxmlformats.org/drawingml/2006/main">
+            <a:r>
               <a:rPr lang="fr" dirty="0" smtClean="0">
                 <a:latin typeface="Segoe UI" panose="020B0502040204020203" pitchFamily="34" charset="0"/>
                 <a:cs typeface="Segoe UI" panose="020B0502040204020203" pitchFamily="34" charset="0"/>
               </a:rPr>
               <a:t>Ajoutez </a:t>
             </a:r>
-            <a:r xmlns:a="http://schemas.openxmlformats.org/drawingml/2006/main">
+            <a:r>
               <a:rPr lang="fr" b="1" dirty="0" smtClean="0">
                 <a:latin typeface="Segoe UI" panose="020B0502040204020203" pitchFamily="34" charset="0"/>
                 <a:cs typeface="Segoe UI" panose="020B0502040204020203" pitchFamily="34" charset="0"/>
               </a:rPr>
               <a:t>la quantité retournée </a:t>
             </a:r>
-            <a:r xmlns:a="http://schemas.openxmlformats.org/drawingml/2006/main">
+            <a:r>
               <a:rPr lang="fr" dirty="0" smtClean="0">
                 <a:latin typeface="Segoe UI" panose="020B0502040204020203" pitchFamily="34" charset="0"/>
                 <a:cs typeface="Segoe UI" panose="020B0502040204020203" pitchFamily="34" charset="0"/>
               </a:rPr>
               <a:t>de la table </a:t>
             </a:r>
-            <a:r xmlns:a="http://schemas.openxmlformats.org/drawingml/2006/main">
-              <a:rPr lang="fr" b="1" dirty="0" err="1" smtClean="0">
+            <a:r>
+              <a:rPr lang="fr" b="1" dirty="0" smtClean="0">
                 <a:latin typeface="Segoe UI" panose="020B0502040204020203" pitchFamily="34" charset="0"/>
                 <a:cs typeface="Segoe UI" panose="020B0502040204020203" pitchFamily="34" charset="0"/>
               </a:rPr>
               <a:t>FactSales </a:t>
             </a:r>
-            <a:r xmlns:a="http://schemas.openxmlformats.org/drawingml/2006/main">
+            <a:r>
               <a:rPr lang="fr" dirty="0" smtClean="0">
                 <a:latin typeface="Segoe UI" panose="020B0502040204020203" pitchFamily="34" charset="0"/>
                 <a:cs typeface="Segoe UI" panose="020B0502040204020203" pitchFamily="34" charset="0"/>
               </a:rPr>
               <a:t>à l' </a:t>
             </a:r>
-            <a:r xmlns:a="http://schemas.openxmlformats.org/drawingml/2006/main">
-              <a:rPr lang="fr" b="1" dirty="0" err="1" smtClean="0">
+            <a:r>
+              <a:rPr lang="fr" b="1" dirty="0" smtClean="0">
                 <a:latin typeface="Segoe UI" panose="020B0502040204020203" pitchFamily="34" charset="0"/>
                 <a:cs typeface="Segoe UI" panose="020B0502040204020203" pitchFamily="34" charset="0"/>
               </a:rPr>
               <a:t>analyse </a:t>
             </a:r>
-            <a:r xmlns:a="http://schemas.openxmlformats.org/drawingml/2006/main">
+            <a:r>
               <a:rPr lang="fr" dirty="0" smtClean="0">
                 <a:latin typeface="Segoe UI" panose="020B0502040204020203" pitchFamily="34" charset="0"/>
                 <a:cs typeface="Segoe UI" panose="020B0502040204020203" pitchFamily="34" charset="0"/>
               </a:rPr>
               <a:t>et au </a:t>
             </a:r>
-            <a:r xmlns:a="http://schemas.openxmlformats.org/drawingml/2006/main">
+            <a:r>
               <a:rPr lang="fr" b="1" dirty="0" smtClean="0">
                 <a:latin typeface="Segoe UI" panose="020B0502040204020203" pitchFamily="34" charset="0"/>
                 <a:cs typeface="Segoe UI" panose="020B0502040204020203" pitchFamily="34" charset="0"/>
               </a:rPr>
               <a:t>nom du canal </a:t>
             </a:r>
-            <a:r xmlns:a="http://schemas.openxmlformats.org/drawingml/2006/main">
+            <a:r>
               <a:rPr lang="fr" dirty="0" smtClean="0">
                 <a:latin typeface="Segoe UI" panose="020B0502040204020203" pitchFamily="34" charset="0"/>
                 <a:cs typeface="Segoe UI" panose="020B0502040204020203" pitchFamily="34" charset="0"/>
               </a:rPr>
               <a:t>, </a:t>
             </a:r>
-            <a:r xmlns:a="http://schemas.openxmlformats.org/drawingml/2006/main">
+            <a:endParaRPr lang="fr" dirty="0" smtClean="0">
+              <a:latin typeface="Segoe UI" panose="020B0502040204020203" pitchFamily="34" charset="0"/>
+              <a:cs typeface="Segoe UI" panose="020B0502040204020203" pitchFamily="34" charset="0"/>
+            </a:endParaRPr>
+          </a:p>
+          <a:p>
+            <a:r>
+              <a:rPr lang="fr" dirty="0" smtClean="0">
+                <a:latin typeface="Segoe UI" panose="020B0502040204020203" pitchFamily="34" charset="0"/>
+                <a:cs typeface="Segoe UI" panose="020B0502040204020203" pitchFamily="34" charset="0"/>
+              </a:rPr>
+              <a:t>au </a:t>
+            </a:r>
+            <a:r>
+              <a:rPr lang="fr" dirty="0" smtClean="0">
+                <a:latin typeface="Segoe UI" panose="020B0502040204020203" pitchFamily="34" charset="0"/>
+                <a:cs typeface="Segoe UI" panose="020B0502040204020203" pitchFamily="34" charset="0"/>
+              </a:rPr>
+              <a:t>type de promotion et au nom de la </a:t>
+            </a:r>
+            <a:r>
+              <a:rPr lang="fr" dirty="0" smtClean="0">
+                <a:latin typeface="Segoe UI" panose="020B0502040204020203" pitchFamily="34" charset="0"/>
+                <a:cs typeface="Segoe UI" panose="020B0502040204020203" pitchFamily="34" charset="0"/>
+              </a:rPr>
+              <a:t>marque et</a:t>
+            </a:r>
+            <a:r>
               <a:rPr lang="fr" b="1" dirty="0" smtClean="0">
                 <a:latin typeface="Segoe UI" panose="020B0502040204020203" pitchFamily="34" charset="0"/>
                 <a:cs typeface="Segoe UI" panose="020B0502040204020203" pitchFamily="34" charset="0"/>
               </a:rPr>
-              <a:t>au type de promotion </a:t>
-            </a:r>
-            <a:r xmlns:a="http://schemas.openxmlformats.org/drawingml/2006/main">
+              <a:t> </a:t>
+            </a:r>
+            <a:r>
               <a:rPr lang="fr" dirty="0" smtClean="0">
                 <a:latin typeface="Segoe UI" panose="020B0502040204020203" pitchFamily="34" charset="0"/>
                 <a:cs typeface="Segoe UI" panose="020B0502040204020203" pitchFamily="34" charset="0"/>
               </a:rPr>
-              <a:t>et </a:t>
-            </a:r>
-            <a:r xmlns:a="http://schemas.openxmlformats.org/drawingml/2006/main">
+              <a:t>observer</a:t>
+            </a:r>
+            <a:r>
               <a:rPr lang="fr" b="1" dirty="0" smtClean="0">
                 <a:latin typeface="Segoe UI" panose="020B0502040204020203" pitchFamily="34" charset="0"/>
                 <a:cs typeface="Segoe UI" panose="020B0502040204020203" pitchFamily="34" charset="0"/>
               </a:rPr>
-              <a:t>au nom de la marque</a:t>
-            </a:r>
-          </a:p>
-          <a:p>
-            <a:r xmlns:a="http://schemas.openxmlformats.org/drawingml/2006/main">
-              <a:rPr lang="fr" dirty="0" smtClean="0">
-                <a:latin typeface="Segoe UI" panose="020B0502040204020203" pitchFamily="34" charset="0"/>
-                <a:cs typeface="Segoe UI" panose="020B0502040204020203" pitchFamily="34" charset="0"/>
-              </a:rPr>
-              <a:t>Expliquer </a:t>
-            </a:r>
-            <a:r xmlns:a="http://schemas.openxmlformats.org/drawingml/2006/main">
-              <a:rPr lang="fr" b="1" dirty="0" smtClean="0">
-                <a:latin typeface="Segoe UI" panose="020B0502040204020203" pitchFamily="34" charset="0"/>
-                <a:cs typeface="Segoe UI" panose="020B0502040204020203" pitchFamily="34" charset="0"/>
-              </a:rPr>
-              <a:t>et </a:t>
-            </a:r>
-            <a:r xmlns:a="http://schemas.openxmlformats.org/drawingml/2006/main">
-              <a:rPr lang="fr" dirty="0" smtClean="0">
-                <a:latin typeface="Segoe UI" panose="020B0502040204020203" pitchFamily="34" charset="0"/>
-                <a:cs typeface="Segoe UI" panose="020B0502040204020203" pitchFamily="34" charset="0"/>
-              </a:rPr>
-              <a:t>observer</a:t>
-            </a:r>
-            <a:r xmlns:a="http://schemas.openxmlformats.org/drawingml/2006/main">
-              <a:rPr lang="fr" b="1" dirty="0" smtClean="0">
-                <a:latin typeface="Segoe UI" panose="020B0502040204020203" pitchFamily="34" charset="0"/>
-                <a:cs typeface="Segoe UI" panose="020B0502040204020203" pitchFamily="34" charset="0"/>
-              </a:rPr>
               <a:t> </a:t>
             </a:r>
-            <a:endParaRPr xmlns:a="http://schemas.openxmlformats.org/drawingml/2006/main" lang="en-US" b="1" dirty="0">
+            <a:endParaRPr lang="en-US" b="1" dirty="0">
               <a:latin typeface="Segoe UI" panose="020B0502040204020203" pitchFamily="34" charset="0"/>
               <a:cs typeface="Segoe UI" panose="020B0502040204020203" pitchFamily="34" charset="0"/>
             </a:endParaRPr>
@@ -4080,21 +4123,21 @@
           </a:bodyPr>
           <a:lstStyle/>
           <a:p>
-            <a:r xmlns:a="http://schemas.openxmlformats.org/drawingml/2006/main">
+            <a:r>
               <a:rPr lang="fr" dirty="0" smtClean="0">
                 <a:latin typeface="Segoe UI" panose="020B0502040204020203" pitchFamily="34" charset="0"/>
                 <a:cs typeface="Segoe UI" panose="020B0502040204020203" pitchFamily="34" charset="0"/>
               </a:rPr>
               <a:t>Le total de </a:t>
             </a:r>
-            <a:r xmlns:a="http://schemas.openxmlformats.org/drawingml/2006/main">
+            <a:r>
               <a:rPr lang="fr" b="1" dirty="0">
                 <a:latin typeface="Segoe UI" panose="020B0502040204020203" pitchFamily="34" charset="0"/>
                 <a:cs typeface="Segoe UI" panose="020B0502040204020203" pitchFamily="34" charset="0"/>
               </a:rPr>
               <a:t>la quantité retournée</a:t>
             </a:r>
-            <a:endParaRPr xmlns:a="http://schemas.openxmlformats.org/drawingml/2006/main" lang="en-US" dirty="0"/>
+            <a:endParaRPr lang="en-US" dirty="0"/>
           </a:p>
         </p:txBody>
       </p:sp>
@@ -4155,14 +4198,14 @@
           </a:bodyPr>
           <a:lstStyle/>
           <a:p>
-            <a:r xmlns:a="http://schemas.openxmlformats.org/drawingml/2006/main">
+            <a:r>
               <a:rPr lang="fr" dirty="0" smtClean="0">
                 <a:latin typeface="Segoe UI" panose="020B0502040204020203" pitchFamily="34" charset="0"/>
                 <a:cs typeface="Segoe UI" panose="020B0502040204020203" pitchFamily="34" charset="0"/>
               </a:rPr>
               <a:t>Suggestions d'analyse</a:t>
             </a:r>
-            <a:endParaRPr xmlns:a="http://schemas.openxmlformats.org/drawingml/2006/main" lang="en-US" dirty="0"/>
+            <a:endParaRPr lang="en-US" dirty="0"/>
           </a:p>
         </p:txBody>
       </p:sp>
@@ -4205,7 +4248,7 @@
         <p:spPr>
           <a:xfrm>
             <a:off x="323133" y="192505"/>
-            <a:ext cx="2865656" cy="461665"/>
+            <a:ext cx="3686009" cy="461665"/>
           </a:xfrm>
           <a:prstGeom prst="rect">
             <a:avLst/>
@@ -4218,14 +4261,14 @@
           </a:bodyPr>
           <a:lstStyle/>
           <a:p>
-            <a:r xmlns:a="http://schemas.openxmlformats.org/drawingml/2006/main">
-              <a:rPr lang="fr" sz="2400" dirty="0" smtClean="0">
+            <a:r>
+              <a:rPr lang="fr" sz="2400" b="1" dirty="0" smtClean="0">
                 <a:latin typeface="Segoe UI" panose="020B0502040204020203" pitchFamily="34" charset="0"/>
                 <a:cs typeface="Segoe UI" panose="020B0502040204020203" pitchFamily="34" charset="0"/>
               </a:rPr>
               <a:t>Arbre de décomposition</a:t>
             </a:r>
-            <a:endParaRPr xmlns:a="http://schemas.openxmlformats.org/drawingml/2006/main" lang="en-US" sz="2400" dirty="0">
+            <a:endParaRPr lang="en-US" sz="2400" b="1" dirty="0">
               <a:latin typeface="Segoe UI" panose="020B0502040204020203" pitchFamily="34" charset="0"/>
               <a:cs typeface="Segoe UI" panose="020B0502040204020203" pitchFamily="34" charset="0"/>
             </a:endParaRPr>
@@ -4241,7 +4284,7 @@
         <p:spPr>
           <a:xfrm>
             <a:off x="452463" y="801444"/>
-            <a:ext cx="1877437" cy="584775"/>
+            <a:ext cx="2565745" cy="584775"/>
           </a:xfrm>
           <a:prstGeom prst="rect">
             <a:avLst/>
@@ -4249,47 +4292,47 @@
           <a:noFill/>
         </p:spPr>
         <p:txBody>
-          <a:bodyPr wrap="none" rtlCol="0">
+          <a:bodyPr wrap="square" rtlCol="0">
             <a:spAutoFit/>
           </a:bodyPr>
           <a:lstStyle/>
           <a:p>
-            <a:r xmlns:a="http://schemas.openxmlformats.org/drawingml/2006/main">
+            <a:r>
               <a:rPr lang="fr" dirty="0" smtClean="0">
                 <a:latin typeface="Segoe UI" panose="020B0502040204020203" pitchFamily="34" charset="0"/>
                 <a:cs typeface="Segoe UI" panose="020B0502040204020203" pitchFamily="34" charset="0"/>
               </a:rPr>
               <a:t>Cliquez sur </a:t>
             </a:r>
-            <a:r xmlns:a="http://schemas.openxmlformats.org/drawingml/2006/main">
+            <a:r>
+              <a:rPr lang="fr" dirty="0" smtClean="0">
+                <a:latin typeface="Segoe UI" panose="020B0502040204020203" pitchFamily="34" charset="0"/>
+                <a:cs typeface="Segoe UI" panose="020B0502040204020203" pitchFamily="34" charset="0"/>
+              </a:rPr>
+              <a:t>le </a:t>
+            </a:r>
+            <a:r>
+              <a:rPr lang="fr" dirty="0" smtClean="0">
+                <a:latin typeface="Segoe UI" panose="020B0502040204020203" pitchFamily="34" charset="0"/>
+                <a:cs typeface="Segoe UI" panose="020B0502040204020203" pitchFamily="34" charset="0"/>
+              </a:rPr>
+              <a:t>signe </a:t>
+            </a:r>
+            <a:r>
+              <a:rPr lang="en-US" b="1" dirty="0" smtClean="0">
+                <a:latin typeface="Segoe UI" panose="020B0502040204020203" pitchFamily="34" charset="0"/>
+                <a:cs typeface="Segoe UI" panose="020B0502040204020203" pitchFamily="34" charset="0"/>
+              </a:rPr>
+              <a:t> </a:t>
+            </a:r>
+            <a:r>
               <a:rPr lang="fr" sz="3200" dirty="0" smtClean="0">
                 <a:latin typeface="Segoe UI" panose="020B0502040204020203" pitchFamily="34" charset="0"/>
                 <a:cs typeface="Segoe UI" panose="020B0502040204020203" pitchFamily="34" charset="0"/>
               </a:rPr>
               <a:t>+</a:t>
             </a:r>
-            <a:r xmlns:a="http://schemas.openxmlformats.org/drawingml/2006/main">
-              <a:rPr lang="fr" dirty="0" smtClean="0">
-                <a:latin typeface="Segoe UI" panose="020B0502040204020203" pitchFamily="34" charset="0"/>
-                <a:cs typeface="Segoe UI" panose="020B0502040204020203" pitchFamily="34" charset="0"/>
-              </a:rPr>
-              <a:t> </a:t>
-            </a:r>
-            <a:r xmlns:a="http://schemas.openxmlformats.org/drawingml/2006/main">
-              <a:rPr lang="fr" dirty="0" err="1" smtClean="0">
-                <a:latin typeface="Segoe UI" panose="020B0502040204020203" pitchFamily="34" charset="0"/>
-                <a:cs typeface="Segoe UI" panose="020B0502040204020203" pitchFamily="34" charset="0"/>
-              </a:rPr>
-              <a:t>signe</a:t>
-            </a:r>
-            <a:r xmlns:a="http://schemas.openxmlformats.org/drawingml/2006/main">
-              <a:rPr lang="fr" dirty="0" smtClean="0">
-                <a:latin typeface="Segoe UI" panose="020B0502040204020203" pitchFamily="34" charset="0"/>
-                <a:cs typeface="Segoe UI" panose="020B0502040204020203" pitchFamily="34" charset="0"/>
-              </a:rPr>
-              <a:t> </a:t>
-            </a:r>
-            <a:endParaRPr xmlns:a="http://schemas.openxmlformats.org/drawingml/2006/main" lang="en-US" b="1" dirty="0">
+            <a:endParaRPr lang="en-US" b="1" dirty="0">
               <a:latin typeface="Segoe UI" panose="020B0502040204020203" pitchFamily="34" charset="0"/>
               <a:cs typeface="Segoe UI" panose="020B0502040204020203" pitchFamily="34" charset="0"/>
             </a:endParaRPr>
@@ -4332,13 +4375,15 @@
       <p:cxnSp>
         <p:nvCxnSpPr>
           <p:cNvPr id="6" name="Straight Arrow Connector 5"/>
-          <p:cNvCxnSpPr/>
+          <p:cNvCxnSpPr>
+            <a:stCxn id="13" idx="1"/>
+          </p:cNvCxnSpPr>
           <p:nvPr/>
         </p:nvCxnSpPr>
         <p:spPr>
           <a:xfrm flipH="1">
-            <a:off x="3801979" y="1386219"/>
-            <a:ext cx="2770701" cy="518208"/>
+            <a:off x="3767603" y="1730105"/>
+            <a:ext cx="2792474" cy="176519"/>
           </a:xfrm>
           <a:prstGeom prst="straightConnector1">
             <a:avLst/>
@@ -4373,8 +4418,8 @@
         </p:nvSpPr>
         <p:spPr>
           <a:xfrm>
-            <a:off x="6572680" y="967594"/>
-            <a:ext cx="5692649" cy="1477328"/>
+            <a:off x="6560077" y="298944"/>
+            <a:ext cx="3671350" cy="2862322"/>
           </a:xfrm>
           <a:prstGeom prst="rect">
             <a:avLst/>
@@ -4382,111 +4427,90 @@
           <a:noFill/>
         </p:spPr>
         <p:txBody>
-          <a:bodyPr wrap="none" rtlCol="0">
+          <a:bodyPr wrap="square" rtlCol="0">
             <a:spAutoFit/>
           </a:bodyPr>
           <a:lstStyle/>
           <a:p>
-            <a:r xmlns:a="http://schemas.openxmlformats.org/drawingml/2006/main">
+            <a:r>
               <a:rPr lang="fr" dirty="0" smtClean="0">
                 <a:latin typeface="Segoe UI" panose="020B0502040204020203" pitchFamily="34" charset="0"/>
                 <a:cs typeface="Segoe UI" panose="020B0502040204020203" pitchFamily="34" charset="0"/>
               </a:rPr>
-              <a:t>Si </a:t>
-            </a:r>
-            <a:r xmlns:a="http://schemas.openxmlformats.org/drawingml/2006/main">
+              <a:t>Si vous cliquez en premier , Power BI le fera suggérer en fonction de</a:t>
+            </a:r>
+          </a:p>
+          <a:p>
+            <a:r>
               <a:rPr lang="fr" dirty="0" smtClean="0">
                 <a:latin typeface="Segoe UI" panose="020B0502040204020203" pitchFamily="34" charset="0"/>
                 <a:cs typeface="Segoe UI" panose="020B0502040204020203" pitchFamily="34" charset="0"/>
               </a:rPr>
-              <a:t>vous cliquez </a:t>
-            </a:r>
-            <a:r xmlns:a="http://schemas.openxmlformats.org/drawingml/2006/main">
+              <a:t>IA quelle </a:t>
+            </a:r>
+            <a:r>
               <a:rPr lang="fr" dirty="0" smtClean="0">
                 <a:latin typeface="Segoe UI" panose="020B0502040204020203" pitchFamily="34" charset="0"/>
                 <a:cs typeface="Segoe UI" panose="020B0502040204020203" pitchFamily="34" charset="0"/>
               </a:rPr>
-              <a:t>en premier </a:t>
-            </a:r>
-            <a:r xmlns:a="http://schemas.openxmlformats.org/drawingml/2006/main">
+              <a:t>axe d’analyse </a:t>
+            </a:r>
+            <a:r>
+              <a:rPr lang="fr" dirty="0">
+                <a:latin typeface="Segoe UI" panose="020B0502040204020203" pitchFamily="34" charset="0"/>
+                <a:cs typeface="Segoe UI" panose="020B0502040204020203" pitchFamily="34" charset="0"/>
+              </a:rPr>
+              <a:t>vient </a:t>
+            </a:r>
+            <a:r>
               <a:rPr lang="fr" dirty="0" smtClean="0">
                 <a:latin typeface="Segoe UI" panose="020B0502040204020203" pitchFamily="34" charset="0"/>
                 <a:cs typeface="Segoe UI" panose="020B0502040204020203" pitchFamily="34" charset="0"/>
               </a:rPr>
-              <a:t>, </a:t>
-            </a:r>
-            <a:r xmlns:a="http://schemas.openxmlformats.org/drawingml/2006/main">
+              <a:t>en premier soit le type de promotion</a:t>
+            </a:r>
+          </a:p>
+          <a:p>
+            <a:r>
               <a:rPr lang="fr" dirty="0" smtClean="0">
                 <a:latin typeface="Segoe UI" panose="020B0502040204020203" pitchFamily="34" charset="0"/>
                 <a:cs typeface="Segoe UI" panose="020B0502040204020203" pitchFamily="34" charset="0"/>
               </a:rPr>
-              <a:t>Power BI </a:t>
-            </a:r>
-            <a:r xmlns:a="http://schemas.openxmlformats.org/drawingml/2006/main">
+              <a:t>ou </a:t>
+            </a:r>
+            <a:r>
               <a:rPr lang="fr" dirty="0" smtClean="0">
                 <a:latin typeface="Segoe UI" panose="020B0502040204020203" pitchFamily="34" charset="0"/>
                 <a:cs typeface="Segoe UI" panose="020B0502040204020203" pitchFamily="34" charset="0"/>
               </a:rPr>
-              <a:t>le fera</a:t>
-            </a:r>
-            <a:r xmlns:a="http://schemas.openxmlformats.org/drawingml/2006/main">
+              <a:t>le nom de la marque ou le nom de la chaîne et cela donne</a:t>
+            </a:r>
+          </a:p>
+          <a:p>
+            <a:r>
               <a:rPr lang="fr" dirty="0" smtClean="0">
                 <a:latin typeface="Segoe UI" panose="020B0502040204020203" pitchFamily="34" charset="0"/>
                 <a:cs typeface="Segoe UI" panose="020B0502040204020203" pitchFamily="34" charset="0"/>
               </a:rPr>
-              <a:t> </a:t>
-            </a:r>
-            <a:r xmlns:a="http://schemas.openxmlformats.org/drawingml/2006/main">
+              <a:t>les </a:t>
+            </a:r>
+            <a:r>
               <a:rPr lang="fr" dirty="0" smtClean="0">
                 <a:latin typeface="Segoe UI" panose="020B0502040204020203" pitchFamily="34" charset="0"/>
                 <a:cs typeface="Segoe UI" panose="020B0502040204020203" pitchFamily="34" charset="0"/>
               </a:rPr>
-              <a:t>suggérer en fonction de</a:t>
-            </a:r>
-          </a:p>
-          <a:p>
-            <a:r xmlns:a="http://schemas.openxmlformats.org/drawingml/2006/main">
+              <a:t>valeurs les plus élevées des quantités de retour basées sur cela</a:t>
+            </a:r>
+          </a:p>
+          <a:p>
+            <a:r>
               <a:rPr lang="fr" dirty="0" smtClean="0">
                 <a:latin typeface="Segoe UI" panose="020B0502040204020203" pitchFamily="34" charset="0"/>
                 <a:cs typeface="Segoe UI" panose="020B0502040204020203" pitchFamily="34" charset="0"/>
               </a:rPr>
-              <a:t>IA quelle analyse axe vient en premier soit le type de promotion</a:t>
-            </a:r>
-          </a:p>
-          <a:p>
-            <a:r xmlns:a="http://schemas.openxmlformats.org/drawingml/2006/main">
-              <a:rPr lang="fr" dirty="0" smtClean="0">
-                <a:latin typeface="Segoe UI" panose="020B0502040204020203" pitchFamily="34" charset="0"/>
-                <a:cs typeface="Segoe UI" panose="020B0502040204020203" pitchFamily="34" charset="0"/>
-              </a:rPr>
-              <a:t>Ou le nom de la marque ou le nom de la chaîne et cela donne</a:t>
-            </a:r>
-          </a:p>
-          <a:p>
-            <a:r xmlns:a="http://schemas.openxmlformats.org/drawingml/2006/main">
-              <a:rPr lang="fr" dirty="0" smtClean="0">
-                <a:latin typeface="Segoe UI" panose="020B0502040204020203" pitchFamily="34" charset="0"/>
-                <a:cs typeface="Segoe UI" panose="020B0502040204020203" pitchFamily="34" charset="0"/>
-              </a:rPr>
-              <a:t>Les valeurs les plus élevées des quantités de retour basées sur cela</a:t>
-            </a:r>
-          </a:p>
-          <a:p>
-            <a:r xmlns:a="http://schemas.openxmlformats.org/drawingml/2006/main">
-              <a:rPr lang="fr" dirty="0" smtClean="0">
-                <a:latin typeface="Segoe UI" panose="020B0502040204020203" pitchFamily="34" charset="0"/>
-                <a:cs typeface="Segoe UI" panose="020B0502040204020203" pitchFamily="34" charset="0"/>
-              </a:rPr>
-              <a:t>Axe d'analyse</a:t>
-            </a:r>
-            <a:r xmlns:a="http://schemas.openxmlformats.org/drawingml/2006/main">
-              <a:rPr lang="fr" dirty="0" smtClean="0">
-                <a:latin typeface="Segoe UI" panose="020B0502040204020203" pitchFamily="34" charset="0"/>
-                <a:cs typeface="Segoe UI" panose="020B0502040204020203" pitchFamily="34" charset="0"/>
-              </a:rPr>
-              <a:t> </a:t>
-            </a:r>
-            <a:endParaRPr xmlns:a="http://schemas.openxmlformats.org/drawingml/2006/main" lang="en-US" b="1" dirty="0">
+              <a:t>Axe d'analyse </a:t>
+            </a:r>
+            <a:endParaRPr lang="en-US" b="1" dirty="0">
               <a:latin typeface="Segoe UI" panose="020B0502040204020203" pitchFamily="34" charset="0"/>
               <a:cs typeface="Segoe UI" panose="020B0502040204020203" pitchFamily="34" charset="0"/>
             </a:endParaRPr>
@@ -4501,8 +4525,8 @@
         </p:nvSpPr>
         <p:spPr>
           <a:xfrm>
-            <a:off x="6285068" y="2629758"/>
-            <a:ext cx="5692649" cy="1477328"/>
+            <a:off x="6443197" y="3667911"/>
+            <a:ext cx="4371473" cy="2585323"/>
           </a:xfrm>
           <a:prstGeom prst="rect">
             <a:avLst/>
@@ -4510,111 +4534,55 @@
           <a:noFill/>
         </p:spPr>
         <p:txBody>
-          <a:bodyPr wrap="none" rtlCol="0">
+          <a:bodyPr wrap="square" rtlCol="0">
             <a:spAutoFit/>
           </a:bodyPr>
           <a:lstStyle/>
           <a:p>
-            <a:r xmlns:a="http://schemas.openxmlformats.org/drawingml/2006/main">
+            <a:r>
               <a:rPr lang="fr" dirty="0" smtClean="0">
                 <a:latin typeface="Segoe UI" panose="020B0502040204020203" pitchFamily="34" charset="0"/>
                 <a:cs typeface="Segoe UI" panose="020B0502040204020203" pitchFamily="34" charset="0"/>
               </a:rPr>
-              <a:t>Si </a:t>
-            </a:r>
-            <a:r xmlns:a="http://schemas.openxmlformats.org/drawingml/2006/main">
+              <a:t>Si vous cliquez en premier , Power BI le fera suggérer en fonction de</a:t>
+            </a:r>
+          </a:p>
+          <a:p>
+            <a:r>
               <a:rPr lang="fr" dirty="0" smtClean="0">
                 <a:latin typeface="Segoe UI" panose="020B0502040204020203" pitchFamily="34" charset="0"/>
                 <a:cs typeface="Segoe UI" panose="020B0502040204020203" pitchFamily="34" charset="0"/>
               </a:rPr>
-              <a:t>vous cliquez </a:t>
-            </a:r>
-            <a:r xmlns:a="http://schemas.openxmlformats.org/drawingml/2006/main">
+              <a:t>IA quelle analyse axe vient en premier soit le type de promotion</a:t>
+            </a:r>
+          </a:p>
+          <a:p>
+            <a:r>
               <a:rPr lang="fr" dirty="0" smtClean="0">
                 <a:latin typeface="Segoe UI" panose="020B0502040204020203" pitchFamily="34" charset="0"/>
                 <a:cs typeface="Segoe UI" panose="020B0502040204020203" pitchFamily="34" charset="0"/>
               </a:rPr>
-              <a:t>en premier </a:t>
-            </a:r>
-            <a:r xmlns:a="http://schemas.openxmlformats.org/drawingml/2006/main">
+              <a:t>Ou le nom de la marque ou le nom de la chaîne et cela donne</a:t>
+            </a:r>
+          </a:p>
+          <a:p>
+            <a:r>
               <a:rPr lang="fr" dirty="0" smtClean="0">
                 <a:latin typeface="Segoe UI" panose="020B0502040204020203" pitchFamily="34" charset="0"/>
                 <a:cs typeface="Segoe UI" panose="020B0502040204020203" pitchFamily="34" charset="0"/>
               </a:rPr>
-              <a:t>, </a:t>
-            </a:r>
-            <a:r xmlns:a="http://schemas.openxmlformats.org/drawingml/2006/main">
+              <a:t>Les valeurs les plus basses des quantités de retour basées sur cela</a:t>
+            </a:r>
+          </a:p>
+          <a:p>
+            <a:r>
               <a:rPr lang="fr" dirty="0" smtClean="0">
                 <a:latin typeface="Segoe UI" panose="020B0502040204020203" pitchFamily="34" charset="0"/>
                 <a:cs typeface="Segoe UI" panose="020B0502040204020203" pitchFamily="34" charset="0"/>
               </a:rPr>
-              <a:t>Power BI </a:t>
-            </a:r>
-            <a:r xmlns:a="http://schemas.openxmlformats.org/drawingml/2006/main">
-              <a:rPr lang="fr" dirty="0" smtClean="0">
-                <a:latin typeface="Segoe UI" panose="020B0502040204020203" pitchFamily="34" charset="0"/>
-                <a:cs typeface="Segoe UI" panose="020B0502040204020203" pitchFamily="34" charset="0"/>
-              </a:rPr>
-              <a:t>le fera</a:t>
-            </a:r>
-            <a:r xmlns:a="http://schemas.openxmlformats.org/drawingml/2006/main">
-              <a:rPr lang="fr" dirty="0" smtClean="0">
-                <a:latin typeface="Segoe UI" panose="020B0502040204020203" pitchFamily="34" charset="0"/>
-                <a:cs typeface="Segoe UI" panose="020B0502040204020203" pitchFamily="34" charset="0"/>
-              </a:rPr>
-              <a:t> </a:t>
-            </a:r>
-            <a:r xmlns:a="http://schemas.openxmlformats.org/drawingml/2006/main">
-              <a:rPr lang="fr" dirty="0" smtClean="0">
-                <a:latin typeface="Segoe UI" panose="020B0502040204020203" pitchFamily="34" charset="0"/>
-                <a:cs typeface="Segoe UI" panose="020B0502040204020203" pitchFamily="34" charset="0"/>
-              </a:rPr>
-              <a:t>suggérer en fonction de</a:t>
-            </a:r>
-          </a:p>
-          <a:p>
-            <a:r xmlns:a="http://schemas.openxmlformats.org/drawingml/2006/main">
-              <a:rPr lang="fr" dirty="0" smtClean="0">
-                <a:latin typeface="Segoe UI" panose="020B0502040204020203" pitchFamily="34" charset="0"/>
-                <a:cs typeface="Segoe UI" panose="020B0502040204020203" pitchFamily="34" charset="0"/>
-              </a:rPr>
-              <a:t>IA quelle analyse axe vient en premier soit le type de promotion</a:t>
-            </a:r>
-          </a:p>
-          <a:p>
-            <a:r xmlns:a="http://schemas.openxmlformats.org/drawingml/2006/main">
-              <a:rPr lang="fr" dirty="0" smtClean="0">
-                <a:latin typeface="Segoe UI" panose="020B0502040204020203" pitchFamily="34" charset="0"/>
-                <a:cs typeface="Segoe UI" panose="020B0502040204020203" pitchFamily="34" charset="0"/>
-              </a:rPr>
-              <a:t>Ou le nom de la marque ou le nom de la chaîne et cela donne</a:t>
-            </a:r>
-          </a:p>
-          <a:p>
-            <a:r xmlns:a="http://schemas.openxmlformats.org/drawingml/2006/main">
-              <a:rPr lang="fr" dirty="0" smtClean="0">
-                <a:latin typeface="Segoe UI" panose="020B0502040204020203" pitchFamily="34" charset="0"/>
-                <a:cs typeface="Segoe UI" panose="020B0502040204020203" pitchFamily="34" charset="0"/>
-              </a:rPr>
-              <a:t>Les valeurs les plus basses des quantités de retour basées sur cela</a:t>
-            </a:r>
-          </a:p>
-          <a:p>
-            <a:r xmlns:a="http://schemas.openxmlformats.org/drawingml/2006/main">
-              <a:rPr lang="fr" dirty="0" smtClean="0">
-                <a:latin typeface="Segoe UI" panose="020B0502040204020203" pitchFamily="34" charset="0"/>
-                <a:cs typeface="Segoe UI" panose="020B0502040204020203" pitchFamily="34" charset="0"/>
-              </a:rPr>
-              <a:t>Axe d'analyse</a:t>
-            </a:r>
-            <a:r xmlns:a="http://schemas.openxmlformats.org/drawingml/2006/main">
-              <a:rPr lang="fr" dirty="0" smtClean="0">
-                <a:latin typeface="Segoe UI" panose="020B0502040204020203" pitchFamily="34" charset="0"/>
-                <a:cs typeface="Segoe UI" panose="020B0502040204020203" pitchFamily="34" charset="0"/>
-              </a:rPr>
-              <a:t> </a:t>
-            </a:r>
-            <a:endParaRPr xmlns:a="http://schemas.openxmlformats.org/drawingml/2006/main" lang="en-US" b="1" dirty="0">
+              <a:t>Axe d'analyse </a:t>
+            </a:r>
+            <a:endParaRPr lang="en-US" b="1" dirty="0">
               <a:latin typeface="Segoe UI" panose="020B0502040204020203" pitchFamily="34" charset="0"/>
               <a:cs typeface="Segoe UI" panose="020B0502040204020203" pitchFamily="34" charset="0"/>
             </a:endParaRPr>
@@ -4624,13 +4592,15 @@
       <p:cxnSp>
         <p:nvCxnSpPr>
           <p:cNvPr id="16" name="Straight Arrow Connector 15"/>
-          <p:cNvCxnSpPr/>
+          <p:cNvCxnSpPr>
+            <a:stCxn id="15" idx="1"/>
+          </p:cNvCxnSpPr>
           <p:nvPr/>
         </p:nvCxnSpPr>
         <p:spPr>
           <a:xfrm flipH="1" flipV="1">
-            <a:off x="3706873" y="2323052"/>
-            <a:ext cx="2578195" cy="743282"/>
+            <a:off x="3706874" y="2323052"/>
+            <a:ext cx="2736323" cy="2637521"/>
           </a:xfrm>
           <a:prstGeom prst="straightConnector1">
             <a:avLst/>
@@ -4696,7 +4666,7 @@
         <p:spPr>
           <a:xfrm>
             <a:off x="323133" y="192505"/>
-            <a:ext cx="2865656" cy="461665"/>
+            <a:ext cx="3686009" cy="461665"/>
           </a:xfrm>
           <a:prstGeom prst="rect">
             <a:avLst/>
@@ -4709,14 +4679,14 @@
           </a:bodyPr>
           <a:lstStyle/>
           <a:p>
-            <a:r xmlns:a="http://schemas.openxmlformats.org/drawingml/2006/main">
-              <a:rPr lang="fr" sz="2400" dirty="0" smtClean="0">
+            <a:r>
+              <a:rPr lang="fr" sz="2400" b="1" dirty="0" smtClean="0">
                 <a:latin typeface="Segoe UI" panose="020B0502040204020203" pitchFamily="34" charset="0"/>
                 <a:cs typeface="Segoe UI" panose="020B0502040204020203" pitchFamily="34" charset="0"/>
               </a:rPr>
               <a:t>Arbre de décomposition</a:t>
             </a:r>
-            <a:endParaRPr xmlns:a="http://schemas.openxmlformats.org/drawingml/2006/main" lang="en-US" sz="2400" dirty="0">
+            <a:endParaRPr lang="en-US" sz="2400" b="1" dirty="0">
               <a:latin typeface="Segoe UI" panose="020B0502040204020203" pitchFamily="34" charset="0"/>
               <a:cs typeface="Segoe UI" panose="020B0502040204020203" pitchFamily="34" charset="0"/>
             </a:endParaRPr>
@@ -4745,28 +4715,28 @@
           </a:bodyPr>
           <a:lstStyle/>
           <a:p>
-            <a:r xmlns:a="http://schemas.openxmlformats.org/drawingml/2006/main">
+            <a:r>
               <a:rPr lang="fr" dirty="0" smtClean="0">
                 <a:latin typeface="Segoe UI" panose="020B0502040204020203" pitchFamily="34" charset="0"/>
                 <a:cs typeface="Segoe UI" panose="020B0502040204020203" pitchFamily="34" charset="0"/>
               </a:rPr>
               <a:t>Cliquez sur le signe </a:t>
             </a:r>
-            <a:r xmlns:a="http://schemas.openxmlformats.org/drawingml/2006/main">
+            <a:r>
               <a:rPr lang="fr" sz="3200" dirty="0" smtClean="0">
                 <a:latin typeface="Segoe UI" panose="020B0502040204020203" pitchFamily="34" charset="0"/>
                 <a:cs typeface="Segoe UI" panose="020B0502040204020203" pitchFamily="34" charset="0"/>
               </a:rPr>
               <a:t>+ </a:t>
             </a:r>
-            <a:r xmlns:a="http://schemas.openxmlformats.org/drawingml/2006/main">
+            <a:r>
               <a:rPr lang="fr" dirty="0" smtClean="0">
                 <a:latin typeface="Segoe UI" panose="020B0502040204020203" pitchFamily="34" charset="0"/>
                 <a:cs typeface="Segoe UI" panose="020B0502040204020203" pitchFamily="34" charset="0"/>
               </a:rPr>
               <a:t>pour proposer le nom de marque qui vient en premier</a:t>
             </a:r>
-            <a:endParaRPr xmlns:a="http://schemas.openxmlformats.org/drawingml/2006/main" lang="en-US" b="1" dirty="0">
+            <a:endParaRPr lang="en-US" b="1" dirty="0">
               <a:latin typeface="Segoe UI" panose="020B0502040204020203" pitchFamily="34" charset="0"/>
               <a:cs typeface="Segoe UI" panose="020B0502040204020203" pitchFamily="34" charset="0"/>
             </a:endParaRPr>
@@ -4860,7 +4830,7 @@
           </a:bodyPr>
           <a:lstStyle/>
           <a:p>
-            <a:r xmlns:a="http://schemas.openxmlformats.org/drawingml/2006/main">
+            <a:r>
               <a:rPr lang="fr" dirty="0" smtClean="0">
                 <a:latin typeface="Segoe UI" panose="020B0502040204020203" pitchFamily="34" charset="0"/>
                 <a:cs typeface="Segoe UI" panose="020B0502040204020203" pitchFamily="34" charset="0"/>
@@ -4869,21 +4839,21 @@
             </a:r>
           </a:p>
           <a:p>
-            <a:r xmlns:a="http://schemas.openxmlformats.org/drawingml/2006/main">
+            <a:r>
               <a:rPr lang="fr" dirty="0">
                 <a:latin typeface="Segoe UI" panose="020B0502040204020203" pitchFamily="34" charset="0"/>
                 <a:cs typeface="Segoe UI" panose="020B0502040204020203" pitchFamily="34" charset="0"/>
               </a:rPr>
               <a:t> </a:t>
             </a:r>
-            <a:r xmlns:a="http://schemas.openxmlformats.org/drawingml/2006/main">
+            <a:r>
               <a:rPr lang="fr" dirty="0" smtClean="0">
                 <a:latin typeface="Segoe UI" panose="020B0502040204020203" pitchFamily="34" charset="0"/>
                 <a:cs typeface="Segoe UI" panose="020B0502040204020203" pitchFamily="34" charset="0"/>
               </a:rPr>
               <a:t>Power BI et non l'utilisateur</a:t>
             </a:r>
-            <a:endParaRPr xmlns:a="http://schemas.openxmlformats.org/drawingml/2006/main" lang="en-US" dirty="0"/>
+            <a:endParaRPr lang="en-US" dirty="0"/>
           </a:p>
         </p:txBody>
       </p:sp>
@@ -4926,7 +4896,7 @@
         <p:spPr>
           <a:xfrm>
             <a:off x="323133" y="192505"/>
-            <a:ext cx="2865656" cy="461665"/>
+            <a:ext cx="3686009" cy="461665"/>
           </a:xfrm>
           <a:prstGeom prst="rect">
             <a:avLst/>
@@ -4939,14 +4909,14 @@
           </a:bodyPr>
           <a:lstStyle/>
           <a:p>
-            <a:r xmlns:a="http://schemas.openxmlformats.org/drawingml/2006/main">
-              <a:rPr lang="fr" sz="2400" dirty="0" smtClean="0">
+            <a:r>
+              <a:rPr lang="fr" sz="2400" b="1" dirty="0" smtClean="0">
                 <a:latin typeface="Segoe UI" panose="020B0502040204020203" pitchFamily="34" charset="0"/>
                 <a:cs typeface="Segoe UI" panose="020B0502040204020203" pitchFamily="34" charset="0"/>
               </a:rPr>
               <a:t>Arbre de décomposition</a:t>
             </a:r>
-            <a:endParaRPr xmlns:a="http://schemas.openxmlformats.org/drawingml/2006/main" lang="en-US" sz="2400" dirty="0">
+            <a:endParaRPr lang="en-US" sz="2400" b="1" dirty="0">
               <a:latin typeface="Segoe UI" panose="020B0502040204020203" pitchFamily="34" charset="0"/>
               <a:cs typeface="Segoe UI" panose="020B0502040204020203" pitchFamily="34" charset="0"/>
             </a:endParaRPr>
@@ -4961,7 +4931,7 @@
         </p:nvSpPr>
         <p:spPr>
           <a:xfrm>
-            <a:off x="323133" y="849570"/>
+            <a:off x="238386" y="613374"/>
             <a:ext cx="10842172" cy="646331"/>
           </a:xfrm>
           <a:prstGeom prst="rect">
@@ -4975,14 +4945,28 @@
           </a:bodyPr>
           <a:lstStyle/>
           <a:p>
-            <a:r xmlns:a="http://schemas.openxmlformats.org/drawingml/2006/main">
+            <a:r>
               <a:rPr lang="fr" dirty="0" smtClean="0">
                 <a:latin typeface="Segoe UI" panose="020B0502040204020203" pitchFamily="34" charset="0"/>
                 <a:cs typeface="Segoe UI" panose="020B0502040204020203" pitchFamily="34" charset="0"/>
               </a:rPr>
-              <a:t>Double-cliquez sur l'axe d'analyse et un signe de verrouillage apparaîtra, ce qui signifie que l'axe est désormais fixe et ne pourra pas être remplacé tant qu'il ne sera pas déverrouillé. Il disparaîtra si</a:t>
-            </a:r>
-            <a:endParaRPr xmlns:a="http://schemas.openxmlformats.org/drawingml/2006/main" lang="en-US" dirty="0">
+              <a:t>Double-cliquez sur l'axe d'analyse et un signe de verrouillage </a:t>
+            </a:r>
+            <a:r>
+              <a:rPr lang="fr" dirty="0" smtClean="0">
+                <a:latin typeface="Segoe UI" panose="020B0502040204020203" pitchFamily="34" charset="0"/>
+                <a:cs typeface="Segoe UI" panose="020B0502040204020203" pitchFamily="34" charset="0"/>
+              </a:rPr>
+              <a:t>     apparaîtra</a:t>
+            </a:r>
+            <a:r>
+              <a:rPr lang="fr" dirty="0" smtClean="0">
+                <a:latin typeface="Segoe UI" panose="020B0502040204020203" pitchFamily="34" charset="0"/>
+                <a:cs typeface="Segoe UI" panose="020B0502040204020203" pitchFamily="34" charset="0"/>
+              </a:rPr>
+              <a:t>, ce qui signifie que l'axe est désormais fixe et ne pourra pas être remplacé tant qu'il ne sera pas déverrouillé. </a:t>
+            </a:r>
+            <a:endParaRPr lang="en-US" dirty="0">
               <a:latin typeface="Segoe UI" panose="020B0502040204020203" pitchFamily="34" charset="0"/>
               <a:cs typeface="Segoe UI" panose="020B0502040204020203" pitchFamily="34" charset="0"/>
             </a:endParaRPr>
@@ -5028,7 +5012,7 @@
         </p:blipFill>
         <p:spPr>
           <a:xfrm>
-            <a:off x="6510802" y="849570"/>
+            <a:off x="6510802" y="595702"/>
             <a:ext cx="247508" cy="312337"/>
           </a:xfrm>
           <a:prstGeom prst="rect">
@@ -5077,29 +5061,6 @@
           <a:xfrm>
             <a:off x="7108946" y="1215467"/>
             <a:ext cx="185630" cy="233756"/>
-          </a:xfrm>
-          <a:prstGeom prst="rect">
-            <a:avLst/>
-          </a:prstGeom>
-        </p:spPr>
-      </p:pic>
-      <p:pic>
-        <p:nvPicPr>
-          <p:cNvPr id="12" name="Picture 11"/>
-          <p:cNvPicPr>
-            <a:picLocks noChangeAspect="1"/>
-          </p:cNvPicPr>
-          <p:nvPr/>
-        </p:nvPicPr>
-        <p:blipFill rotWithShape="1">
-          <a:blip r:embed="rId3"/>
-          <a:srcRect l="32401" t="3264" r="65401" b="93113"/>
-          <a:stretch/>
-        </p:blipFill>
-        <p:spPr>
-          <a:xfrm>
-            <a:off x="9061496" y="1172735"/>
-            <a:ext cx="202819" cy="255943"/>
           </a:xfrm>
           <a:prstGeom prst="rect">
             <a:avLst/>
@@ -5191,8 +5152,8 @@
         </p:nvSpPr>
         <p:spPr>
           <a:xfrm>
-            <a:off x="2916199" y="2162433"/>
-            <a:ext cx="6230360" cy="1569660"/>
+            <a:off x="3873983" y="2396189"/>
+            <a:ext cx="3443350" cy="1569660"/>
           </a:xfrm>
           <a:prstGeom prst="rect">
             <a:avLst/>
@@ -5200,12 +5161,12 @@
           <a:noFill/>
         </p:spPr>
         <p:txBody>
-          <a:bodyPr wrap="none" rtlCol="0">
+          <a:bodyPr wrap="square" rtlCol="0">
             <a:spAutoFit/>
           </a:bodyPr>
           <a:lstStyle/>
           <a:p>
-            <a:r xmlns:a="http://schemas.openxmlformats.org/drawingml/2006/main">
+            <a:r>
               <a:rPr lang="fr" sz="9600" b="1" dirty="0" smtClean="0">
                 <a:solidFill>
                   <a:srgbClr val="7030A0"/>
@@ -5216,7 +5177,7 @@
               </a:rPr>
               <a:t>Merci</a:t>
             </a:r>
-            <a:endParaRPr xmlns:a="http://schemas.openxmlformats.org/drawingml/2006/main" lang="en-US" sz="9600" b="1" dirty="0">
+            <a:endParaRPr lang="en-US" sz="9600" b="1" dirty="0">
               <a:solidFill>
                 <a:srgbClr val="7030A0"/>
               </a:solidFill>
@@ -5235,8 +5196,8 @@
         </p:nvSpPr>
         <p:spPr>
           <a:xfrm>
-            <a:off x="2990336" y="2217861"/>
-            <a:ext cx="6230360" cy="1569660"/>
+            <a:off x="3811361" y="2327864"/>
+            <a:ext cx="3568594" cy="1569660"/>
           </a:xfrm>
           <a:prstGeom prst="rect">
             <a:avLst/>
@@ -5244,12 +5205,12 @@
           <a:noFill/>
         </p:spPr>
         <p:txBody>
-          <a:bodyPr wrap="none" rtlCol="0">
+          <a:bodyPr wrap="square" rtlCol="0">
             <a:spAutoFit/>
           </a:bodyPr>
           <a:lstStyle/>
           <a:p>
-            <a:r xmlns:a="http://schemas.openxmlformats.org/drawingml/2006/main">
+            <a:r>
               <a:rPr lang="fr" sz="9600" b="1" dirty="0" smtClean="0">
                 <a:solidFill>
                   <a:schemeClr val="bg1"/>
@@ -5260,7 +5221,7 @@
               </a:rPr>
               <a:t>Merci</a:t>
             </a:r>
-            <a:endParaRPr xmlns:a="http://schemas.openxmlformats.org/drawingml/2006/main" lang="en-US" sz="9600" b="1" dirty="0">
+            <a:endParaRPr lang="en-US" sz="9600" b="1" dirty="0">
               <a:solidFill>
                 <a:schemeClr val="bg1"/>
               </a:solidFill>
